--- a/Prezentatsia_VKR2017.pptx
+++ b/Prezentatsia_VKR2017.pptx
@@ -6017,7 +6017,14 @@
                 <a:latin typeface="Times New Roman" panose="02020603050405020304" pitchFamily="18" charset="0"/>
                 <a:cs typeface="Times New Roman" panose="02020603050405020304" pitchFamily="18" charset="0"/>
               </a:rPr>
-              <a:t>разработки проектов</a:t>
+              <a:t>разработки </a:t>
+            </a:r>
+            <a:r>
+              <a:rPr lang="ru-RU" sz="2400" dirty="0" smtClean="0">
+                <a:latin typeface="Times New Roman" panose="02020603050405020304" pitchFamily="18" charset="0"/>
+                <a:cs typeface="Times New Roman" panose="02020603050405020304" pitchFamily="18" charset="0"/>
+              </a:rPr>
+              <a:t>проектов;</a:t>
             </a:r>
             <a:endParaRPr lang="ru-RU" sz="2400" dirty="0">
               <a:latin typeface="Times New Roman" panose="02020603050405020304" pitchFamily="18" charset="0"/>
@@ -6067,7 +6074,14 @@
                 <a:latin typeface="Times New Roman" panose="02020603050405020304" pitchFamily="18" charset="0"/>
                 <a:cs typeface="Times New Roman" panose="02020603050405020304" pitchFamily="18" charset="0"/>
               </a:rPr>
-              <a:t>распределенная система контроля версий, созданная для профессиональных команд</a:t>
+              <a:t>распределенная система контроля версий, созданная для профессиональных </a:t>
+            </a:r>
+            <a:r>
+              <a:rPr lang="ru-RU" sz="2400" dirty="0" smtClean="0">
+                <a:latin typeface="Times New Roman" panose="02020603050405020304" pitchFamily="18" charset="0"/>
+                <a:cs typeface="Times New Roman" panose="02020603050405020304" pitchFamily="18" charset="0"/>
+              </a:rPr>
+              <a:t>команд;</a:t>
             </a:r>
             <a:endParaRPr lang="ru-RU" sz="2400" dirty="0">
               <a:latin typeface="Times New Roman" panose="02020603050405020304" pitchFamily="18" charset="0"/>
@@ -6157,7 +6171,14 @@
                 <a:latin typeface="Times New Roman" panose="02020603050405020304" pitchFamily="18" charset="0"/>
                 <a:cs typeface="Times New Roman" panose="02020603050405020304" pitchFamily="18" charset="0"/>
               </a:rPr>
-              <a:t>коммерческая, настраиваемая система отслеживания ошибок для управления проектами</a:t>
+              <a:t>коммерческая, настраиваемая система отслеживания ошибок для управления </a:t>
+            </a:r>
+            <a:r>
+              <a:rPr lang="ru-RU" sz="2400" dirty="0" smtClean="0">
+                <a:latin typeface="Times New Roman" panose="02020603050405020304" pitchFamily="18" charset="0"/>
+                <a:cs typeface="Times New Roman" panose="02020603050405020304" pitchFamily="18" charset="0"/>
+              </a:rPr>
+              <a:t>проектами;</a:t>
             </a:r>
             <a:endParaRPr lang="ru-RU" sz="2400" dirty="0">
               <a:latin typeface="Times New Roman" panose="02020603050405020304" pitchFamily="18" charset="0"/>
@@ -6296,8 +6317,19 @@
                 <a:latin typeface="Times New Roman" panose="02020603050405020304" pitchFamily="18" charset="0"/>
                 <a:cs typeface="Times New Roman" panose="02020603050405020304" pitchFamily="18" charset="0"/>
               </a:rPr>
-              <a:t>для написания кода, его развертывания и тестирования</a:t>
-            </a:r>
+              <a:t>для написания кода, его развертывания и </a:t>
+            </a:r>
+            <a:r>
+              <a:rPr lang="ru-RU" sz="2400" dirty="0" smtClean="0">
+                <a:latin typeface="Times New Roman" panose="02020603050405020304" pitchFamily="18" charset="0"/>
+                <a:cs typeface="Times New Roman" panose="02020603050405020304" pitchFamily="18" charset="0"/>
+              </a:rPr>
+              <a:t>тестирования.</a:t>
+            </a:r>
+            <a:endParaRPr lang="ru-RU" sz="2400" dirty="0">
+              <a:latin typeface="Times New Roman" panose="02020603050405020304" pitchFamily="18" charset="0"/>
+              <a:cs typeface="Times New Roman" panose="02020603050405020304" pitchFamily="18" charset="0"/>
+            </a:endParaRPr>
           </a:p>
         </p:txBody>
       </p:sp>
@@ -6435,14 +6467,7 @@
                 <a:latin typeface="Times New Roman" panose="02020603050405020304" pitchFamily="18" charset="0"/>
                 <a:cs typeface="Times New Roman" panose="02020603050405020304" pitchFamily="18" charset="0"/>
               </a:rPr>
-              <a:t>Графический </a:t>
-            </a:r>
-            <a:r>
-              <a:rPr lang="ru-RU" sz="3800" dirty="0" smtClean="0">
-                <a:latin typeface="Times New Roman" panose="02020603050405020304" pitchFamily="18" charset="0"/>
-                <a:cs typeface="Times New Roman" panose="02020603050405020304" pitchFamily="18" charset="0"/>
-              </a:rPr>
-              <a:t>интерфейс визуализации данных;</a:t>
+              <a:t>Графический интерфейс визуализации данных;</a:t>
             </a:r>
           </a:p>
           <a:p>
